--- a/Docs/Project Presentation 2nd.pptx
+++ b/Docs/Project Presentation 2nd.pptx
@@ -477,6 +477,11 @@
         </p:txBody>
       </p:sp>
     </p:spTree>
+    <p:extLst>
+      <p:ext uri="{BB962C8B-B14F-4D97-AF65-F5344CB8AC3E}">
+        <p14:creationId xmlns:p14="http://schemas.microsoft.com/office/powerpoint/2010/main" val="3060689492"/>
+      </p:ext>
+    </p:extLst>
   </p:cSld>
   <p:clrMap bg1="lt1" tx1="dk1" bg2="dk2" tx2="lt2" accent1="accent1" accent2="accent2" accent3="accent3" accent4="accent4" accent5="accent5" accent6="accent6" hlink="hlink" folHlink="folHlink"/>
   <p:notesStyle>
@@ -808,6 +813,11 @@
         </p:txBody>
       </p:sp>
     </p:spTree>
+    <p:extLst>
+      <p:ext uri="{BB962C8B-B14F-4D97-AF65-F5344CB8AC3E}">
+        <p14:creationId xmlns:p14="http://schemas.microsoft.com/office/powerpoint/2010/main" val="3260065570"/>
+      </p:ext>
+    </p:extLst>
   </p:cSld>
   <p:clrMapOvr>
     <a:masterClrMapping/>
@@ -1021,6 +1031,11 @@
         </p:txBody>
       </p:sp>
     </p:spTree>
+    <p:extLst>
+      <p:ext uri="{BB962C8B-B14F-4D97-AF65-F5344CB8AC3E}">
+        <p14:creationId xmlns:p14="http://schemas.microsoft.com/office/powerpoint/2010/main" val="2862682132"/>
+      </p:ext>
+    </p:extLst>
   </p:cSld>
   <p:clrMapOvr>
     <a:masterClrMapping/>
@@ -1125,6 +1140,11 @@
         </p:txBody>
       </p:sp>
     </p:spTree>
+    <p:extLst>
+      <p:ext uri="{BB962C8B-B14F-4D97-AF65-F5344CB8AC3E}">
+        <p14:creationId xmlns:p14="http://schemas.microsoft.com/office/powerpoint/2010/main" val="3766164117"/>
+      </p:ext>
+    </p:extLst>
   </p:cSld>
   <p:clrMapOvr>
     <a:masterClrMapping/>
@@ -1229,6 +1249,11 @@
         </p:txBody>
       </p:sp>
     </p:spTree>
+    <p:extLst>
+      <p:ext uri="{BB962C8B-B14F-4D97-AF65-F5344CB8AC3E}">
+        <p14:creationId xmlns:p14="http://schemas.microsoft.com/office/powerpoint/2010/main" val="2662011898"/>
+      </p:ext>
+    </p:extLst>
   </p:cSld>
   <p:clrMapOvr>
     <a:masterClrMapping/>
@@ -1333,6 +1358,11 @@
         </p:txBody>
       </p:sp>
     </p:spTree>
+    <p:extLst>
+      <p:ext uri="{BB962C8B-B14F-4D97-AF65-F5344CB8AC3E}">
+        <p14:creationId xmlns:p14="http://schemas.microsoft.com/office/powerpoint/2010/main" val="3744453901"/>
+      </p:ext>
+    </p:extLst>
   </p:cSld>
   <p:clrMapOvr>
     <a:masterClrMapping/>
@@ -1437,6 +1467,11 @@
         </p:txBody>
       </p:sp>
     </p:spTree>
+    <p:extLst>
+      <p:ext uri="{BB962C8B-B14F-4D97-AF65-F5344CB8AC3E}">
+        <p14:creationId xmlns:p14="http://schemas.microsoft.com/office/powerpoint/2010/main" val="1436477806"/>
+      </p:ext>
+    </p:extLst>
   </p:cSld>
   <p:clrMapOvr>
     <a:masterClrMapping/>
@@ -1541,6 +1576,11 @@
         </p:txBody>
       </p:sp>
     </p:spTree>
+    <p:extLst>
+      <p:ext uri="{BB962C8B-B14F-4D97-AF65-F5344CB8AC3E}">
+        <p14:creationId xmlns:p14="http://schemas.microsoft.com/office/powerpoint/2010/main" val="1835865757"/>
+      </p:ext>
+    </p:extLst>
   </p:cSld>
   <p:clrMapOvr>
     <a:masterClrMapping/>
@@ -1645,6 +1685,11 @@
         </p:txBody>
       </p:sp>
     </p:spTree>
+    <p:extLst>
+      <p:ext uri="{BB962C8B-B14F-4D97-AF65-F5344CB8AC3E}">
+        <p14:creationId xmlns:p14="http://schemas.microsoft.com/office/powerpoint/2010/main" val="377309200"/>
+      </p:ext>
+    </p:extLst>
   </p:cSld>
   <p:clrMapOvr>
     <a:masterClrMapping/>
@@ -1749,6 +1794,11 @@
         </p:txBody>
       </p:sp>
     </p:spTree>
+    <p:extLst>
+      <p:ext uri="{BB962C8B-B14F-4D97-AF65-F5344CB8AC3E}">
+        <p14:creationId xmlns:p14="http://schemas.microsoft.com/office/powerpoint/2010/main" val="1349429640"/>
+      </p:ext>
+    </p:extLst>
   </p:cSld>
   <p:clrMapOvr>
     <a:masterClrMapping/>
@@ -1853,6 +1903,11 @@
         </p:txBody>
       </p:sp>
     </p:spTree>
+    <p:extLst>
+      <p:ext uri="{BB962C8B-B14F-4D97-AF65-F5344CB8AC3E}">
+        <p14:creationId xmlns:p14="http://schemas.microsoft.com/office/powerpoint/2010/main" val="4170711567"/>
+      </p:ext>
+    </p:extLst>
   </p:cSld>
   <p:clrMapOvr>
     <a:masterClrMapping/>
@@ -6661,13 +6716,13 @@
               <a:buNone/>
             </a:pPr>
             <a:r>
-              <a:rPr lang="ko">
+              <a:rPr lang="ko" dirty="0">
                 <a:latin typeface="나눔스퀘어_ac Bold" panose="020B0600000101010101" pitchFamily="50" charset="-127"/>
                 <a:ea typeface="나눔스퀘어_ac Bold" panose="020B0600000101010101" pitchFamily="50" charset="-127"/>
               </a:rPr>
               <a:t>프로젝트 2차 발표</a:t>
             </a:r>
-            <a:endParaRPr>
+            <a:endParaRPr dirty="0">
               <a:latin typeface="나눔스퀘어_ac Bold" panose="020B0600000101010101" pitchFamily="50" charset="-127"/>
               <a:ea typeface="나눔스퀘어_ac Bold" panose="020B0600000101010101" pitchFamily="50" charset="-127"/>
             </a:endParaRPr>
@@ -6858,7 +6913,7 @@
           <p:cNvPr id="6" name="그림 5">
             <a:extLst>
               <a:ext uri="{FF2B5EF4-FFF2-40B4-BE49-F238E27FC236}">
-                <a16:creationId xmlns:a16="http://schemas.microsoft.com/office/drawing/2014/main" id="{58A71DD2-16C3-0F21-0D1F-BA17A524D6EC}"/>
+                <a16:creationId xmlns:a16="http://schemas.microsoft.com/office/drawing/2014/main" xmlns="" id="{58A71DD2-16C3-0F21-0D1F-BA17A524D6EC}"/>
               </a:ext>
             </a:extLst>
           </p:cNvPr>
@@ -6947,7 +7002,7 @@
               <a:buNone/>
             </a:pPr>
             <a:r>
-              <a:rPr lang="ko" dirty="0">
+              <a:rPr lang="ko" dirty="0" smtClean="0">
                 <a:latin typeface="나눔스퀘어_ac Bold" panose="020B0600000101010101" pitchFamily="50" charset="-127"/>
                 <a:ea typeface="나눔스퀘어_ac Bold" panose="020B0600000101010101" pitchFamily="50" charset="-127"/>
               </a:rPr>
@@ -6962,55 +7017,89 @@
       </p:sp>
       <p:sp>
         <p:nvSpPr>
-          <p:cNvPr id="119" name="Google Shape;119;p24"/>
-          <p:cNvSpPr txBox="1">
-            <a:spLocks noGrp="1"/>
-          </p:cNvSpPr>
-          <p:nvPr>
-            <p:ph type="body" idx="1"/>
-          </p:nvPr>
+          <p:cNvPr id="2" name="직사각형 1"/>
+          <p:cNvSpPr/>
+          <p:nvPr/>
         </p:nvSpPr>
         <p:spPr>
           <a:xfrm>
-            <a:off x="311700" y="1152475"/>
-            <a:ext cx="8520600" cy="3416400"/>
+            <a:off x="730554" y="1609650"/>
+            <a:ext cx="1127232" cy="307777"/>
           </a:xfrm>
           <a:prstGeom prst="rect">
             <a:avLst/>
           </a:prstGeom>
         </p:spPr>
         <p:txBody>
-          <a:bodyPr spcFirstLastPara="1" wrap="square" lIns="91425" tIns="91425" rIns="91425" bIns="91425" anchor="t" anchorCtr="0">
-            <a:normAutofit/>
+          <a:bodyPr wrap="none">
+            <a:spAutoFit/>
           </a:bodyPr>
           <a:lstStyle/>
           <a:p>
-            <a:pPr marL="0" lvl="0" indent="0" algn="l" rtl="0">
-              <a:spcBef>
-                <a:spcPts val="0"/>
-              </a:spcBef>
-              <a:spcAft>
-                <a:spcPts val="1200"/>
-              </a:spcAft>
-              <a:buNone/>
-            </a:pPr>
             <a:r>
-              <a:rPr lang="ko" sz="1200" u="sng" dirty="0">
-                <a:solidFill>
-                  <a:schemeClr val="hlink"/>
-                </a:solidFill>
-                <a:highlight>
-                  <a:srgbClr val="36393F"/>
-                </a:highlight>
-                <a:latin typeface="Malgun Gothic"/>
-                <a:ea typeface="Malgun Gothic"/>
-                <a:cs typeface="Malgun Gothic"/>
-                <a:sym typeface="Malgun Gothic"/>
+              <a:rPr lang="ko-KR" altLang="en-US" dirty="0" smtClean="0">
+                <a:latin typeface="나눔스퀘어_ac Bold" panose="020B0600000101010101" pitchFamily="50" charset="-127"/>
+                <a:ea typeface="나눔스퀘어_ac Bold" panose="020B0600000101010101" pitchFamily="50" charset="-127"/>
                 <a:hlinkClick r:id="rId3"/>
               </a:rPr>
-              <a:t>https://youtu.be/U2ryquVkr1o</a:t>
+              <a:t>계정 </a:t>
             </a:r>
-            <a:endParaRPr dirty="0"/>
+            <a:r>
+              <a:rPr lang="en-US" altLang="ko-KR" dirty="0" smtClean="0">
+                <a:latin typeface="나눔스퀘어_ac Bold" panose="020B0600000101010101" pitchFamily="50" charset="-127"/>
+                <a:ea typeface="나눔스퀘어_ac Bold" panose="020B0600000101010101" pitchFamily="50" charset="-127"/>
+                <a:hlinkClick r:id="rId3"/>
+              </a:rPr>
+              <a:t>DB </a:t>
+            </a:r>
+            <a:r>
+              <a:rPr lang="ko-KR" altLang="en-US" dirty="0" smtClean="0">
+                <a:latin typeface="나눔스퀘어_ac Bold" panose="020B0600000101010101" pitchFamily="50" charset="-127"/>
+                <a:ea typeface="나눔스퀘어_ac Bold" panose="020B0600000101010101" pitchFamily="50" charset="-127"/>
+                <a:hlinkClick r:id="rId3"/>
+              </a:rPr>
+              <a:t>영상</a:t>
+            </a:r>
+            <a:endParaRPr lang="ko-KR" altLang="en-US" dirty="0">
+              <a:latin typeface="나눔스퀘어_ac Bold" panose="020B0600000101010101" pitchFamily="50" charset="-127"/>
+              <a:ea typeface="나눔스퀘어_ac Bold" panose="020B0600000101010101" pitchFamily="50" charset="-127"/>
+            </a:endParaRPr>
+          </a:p>
+        </p:txBody>
+      </p:sp>
+      <p:sp>
+        <p:nvSpPr>
+          <p:cNvPr id="4" name="직사각형 3"/>
+          <p:cNvSpPr/>
+          <p:nvPr/>
+        </p:nvSpPr>
+        <p:spPr>
+          <a:xfrm>
+            <a:off x="730554" y="1159799"/>
+            <a:ext cx="845103" cy="307777"/>
+          </a:xfrm>
+          <a:prstGeom prst="rect">
+            <a:avLst/>
+          </a:prstGeom>
+        </p:spPr>
+        <p:txBody>
+          <a:bodyPr wrap="none">
+            <a:spAutoFit/>
+          </a:bodyPr>
+          <a:lstStyle/>
+          <a:p>
+            <a:r>
+              <a:rPr lang="ko-KR" altLang="en-US" dirty="0" smtClean="0">
+                <a:latin typeface="나눔스퀘어_ac Bold" panose="020B0600000101010101" pitchFamily="50" charset="-127"/>
+                <a:ea typeface="나눔스퀘어_ac Bold" panose="020B0600000101010101" pitchFamily="50" charset="-127"/>
+                <a:hlinkClick r:id="rId4"/>
+              </a:rPr>
+              <a:t>게임 영상</a:t>
+            </a:r>
+            <a:endParaRPr lang="ko-KR" altLang="en-US" dirty="0">
+              <a:latin typeface="나눔스퀘어_ac Bold" panose="020B0600000101010101" pitchFamily="50" charset="-127"/>
+              <a:ea typeface="나눔스퀘어_ac Bold" panose="020B0600000101010101" pitchFamily="50" charset="-127"/>
+            </a:endParaRPr>
           </a:p>
         </p:txBody>
       </p:sp>
@@ -8304,7 +8393,7 @@
           <p:cNvPr id="3" name="그림 2">
             <a:extLst>
               <a:ext uri="{FF2B5EF4-FFF2-40B4-BE49-F238E27FC236}">
-                <a16:creationId xmlns:a16="http://schemas.microsoft.com/office/drawing/2014/main" id="{3E152116-8F4F-F458-8547-8B31C326B69C}"/>
+                <a16:creationId xmlns:a16="http://schemas.microsoft.com/office/drawing/2014/main" xmlns="" id="{3E152116-8F4F-F458-8547-8B31C326B69C}"/>
               </a:ext>
             </a:extLst>
           </p:cNvPr>
